--- a/Flowchart Assignment.pptx
+++ b/Flowchart Assignment.pptx
@@ -4525,11 +4525,7 @@
           <a:p>
             <a:r>
               <a:rPr lang="en-GB" sz="1400" dirty="0" smtClean="0"/>
-              <a:t>EXERCISE </a:t>
-            </a:r>
-            <a:r>
-              <a:rPr lang="en-GB" sz="1400" dirty="0" smtClean="0"/>
-              <a:t>2</a:t>
+              <a:t>EXERCISE 2</a:t>
             </a:r>
             <a:endParaRPr lang="en-US" sz="1400" dirty="0"/>
           </a:p>
@@ -5545,11 +5541,7 @@
           <a:p>
             <a:r>
               <a:rPr lang="en-GB" sz="1400" dirty="0" smtClean="0"/>
-              <a:t>EXERCISE </a:t>
-            </a:r>
-            <a:r>
-              <a:rPr lang="en-GB" sz="1400" dirty="0" smtClean="0"/>
-              <a:t>3</a:t>
+              <a:t>EXERCISE 3</a:t>
             </a:r>
             <a:endParaRPr lang="en-US" sz="1400" dirty="0"/>
           </a:p>
@@ -5616,11 +5608,7 @@
           <a:p>
             <a:r>
               <a:rPr lang="en-GB" sz="1400" dirty="0" smtClean="0"/>
-              <a:t>EXERCISE </a:t>
-            </a:r>
-            <a:r>
-              <a:rPr lang="en-GB" sz="1400" dirty="0" smtClean="0"/>
-              <a:t>4</a:t>
+              <a:t>EXERCISE 4</a:t>
             </a:r>
             <a:endParaRPr lang="en-US" sz="1400" dirty="0"/>
           </a:p>
@@ -6608,8 +6596,8 @@
         </p:nvSpPr>
         <p:spPr>
           <a:xfrm>
-            <a:off x="660788" y="1010653"/>
-            <a:ext cx="1649275" cy="593558"/>
+            <a:off x="935180" y="985547"/>
+            <a:ext cx="1434019" cy="427449"/>
           </a:xfrm>
           <a:prstGeom prst="flowChartTerminator">
             <a:avLst/>
@@ -6639,6 +6627,506 @@
             <a:r>
               <a:rPr lang="en-GB" dirty="0" smtClean="0"/>
               <a:t>Start</a:t>
+            </a:r>
+            <a:endParaRPr lang="en-US" dirty="0"/>
+          </a:p>
+        </p:txBody>
+      </p:sp>
+      <p:cxnSp>
+        <p:nvCxnSpPr>
+          <p:cNvPr id="5" name="Straight Arrow Connector 4"/>
+          <p:cNvCxnSpPr>
+            <a:stCxn id="3" idx="2"/>
+          </p:cNvCxnSpPr>
+          <p:nvPr/>
+        </p:nvCxnSpPr>
+        <p:spPr>
+          <a:xfrm>
+            <a:off x="1652190" y="1412996"/>
+            <a:ext cx="1823" cy="519035"/>
+          </a:xfrm>
+          <a:prstGeom prst="straightConnector1">
+            <a:avLst/>
+          </a:prstGeom>
+          <a:ln>
+            <a:tailEnd type="triangle"/>
+          </a:ln>
+        </p:spPr>
+        <p:style>
+          <a:lnRef idx="1">
+            <a:schemeClr val="accent1"/>
+          </a:lnRef>
+          <a:fillRef idx="0">
+            <a:schemeClr val="accent1"/>
+          </a:fillRef>
+          <a:effectRef idx="0">
+            <a:schemeClr val="accent1"/>
+          </a:effectRef>
+          <a:fontRef idx="minor">
+            <a:schemeClr val="tx1"/>
+          </a:fontRef>
+        </p:style>
+      </p:cxnSp>
+      <p:sp>
+        <p:nvSpPr>
+          <p:cNvPr id="6" name="Flowchart: Data 5"/>
+          <p:cNvSpPr/>
+          <p:nvPr/>
+        </p:nvSpPr>
+        <p:spPr>
+          <a:xfrm>
+            <a:off x="272422" y="1957137"/>
+            <a:ext cx="2759537" cy="689810"/>
+          </a:xfrm>
+          <a:prstGeom prst="flowChartInputOutput">
+            <a:avLst/>
+          </a:prstGeom>
+        </p:spPr>
+        <p:style>
+          <a:lnRef idx="2">
+            <a:schemeClr val="accent1">
+              <a:shade val="50000"/>
+            </a:schemeClr>
+          </a:lnRef>
+          <a:fillRef idx="1">
+            <a:schemeClr val="accent1"/>
+          </a:fillRef>
+          <a:effectRef idx="0">
+            <a:schemeClr val="accent1"/>
+          </a:effectRef>
+          <a:fontRef idx="minor">
+            <a:schemeClr val="lt1"/>
+          </a:fontRef>
+        </p:style>
+        <p:txBody>
+          <a:bodyPr rtlCol="0" anchor="ctr"/>
+          <a:lstStyle/>
+          <a:p>
+            <a:pPr algn="ctr"/>
+            <a:r>
+              <a:rPr lang="en-GB" dirty="0" smtClean="0"/>
+              <a:t>Input a value for A</a:t>
+            </a:r>
+            <a:endParaRPr lang="en-US" dirty="0"/>
+          </a:p>
+        </p:txBody>
+      </p:sp>
+      <p:cxnSp>
+        <p:nvCxnSpPr>
+          <p:cNvPr id="8" name="Straight Arrow Connector 7"/>
+          <p:cNvCxnSpPr>
+            <a:stCxn id="6" idx="4"/>
+          </p:cNvCxnSpPr>
+          <p:nvPr/>
+        </p:nvCxnSpPr>
+        <p:spPr>
+          <a:xfrm flipH="1">
+            <a:off x="1652189" y="2646947"/>
+            <a:ext cx="2" cy="481263"/>
+          </a:xfrm>
+          <a:prstGeom prst="straightConnector1">
+            <a:avLst/>
+          </a:prstGeom>
+          <a:ln>
+            <a:tailEnd type="triangle"/>
+          </a:ln>
+        </p:spPr>
+        <p:style>
+          <a:lnRef idx="1">
+            <a:schemeClr val="accent1"/>
+          </a:lnRef>
+          <a:fillRef idx="0">
+            <a:schemeClr val="accent1"/>
+          </a:fillRef>
+          <a:effectRef idx="0">
+            <a:schemeClr val="accent1"/>
+          </a:effectRef>
+          <a:fontRef idx="minor">
+            <a:schemeClr val="tx1"/>
+          </a:fontRef>
+        </p:style>
+      </p:cxnSp>
+      <p:cxnSp>
+        <p:nvCxnSpPr>
+          <p:cNvPr id="16" name="Straight Arrow Connector 15"/>
+          <p:cNvCxnSpPr/>
+          <p:nvPr/>
+        </p:nvCxnSpPr>
+        <p:spPr>
+          <a:xfrm flipH="1">
+            <a:off x="1652188" y="3959817"/>
+            <a:ext cx="1" cy="499888"/>
+          </a:xfrm>
+          <a:prstGeom prst="straightConnector1">
+            <a:avLst/>
+          </a:prstGeom>
+          <a:ln>
+            <a:tailEnd type="triangle"/>
+          </a:ln>
+        </p:spPr>
+        <p:style>
+          <a:lnRef idx="1">
+            <a:schemeClr val="accent1"/>
+          </a:lnRef>
+          <a:fillRef idx="0">
+            <a:schemeClr val="accent1"/>
+          </a:fillRef>
+          <a:effectRef idx="0">
+            <a:schemeClr val="accent1"/>
+          </a:effectRef>
+          <a:fontRef idx="minor">
+            <a:schemeClr val="tx1"/>
+          </a:fontRef>
+        </p:style>
+      </p:cxnSp>
+      <p:sp>
+        <p:nvSpPr>
+          <p:cNvPr id="17" name="Flowchart: Data 16"/>
+          <p:cNvSpPr/>
+          <p:nvPr/>
+        </p:nvSpPr>
+        <p:spPr>
+          <a:xfrm>
+            <a:off x="408924" y="4459705"/>
+            <a:ext cx="2486527" cy="689810"/>
+          </a:xfrm>
+          <a:prstGeom prst="flowChartInputOutput">
+            <a:avLst/>
+          </a:prstGeom>
+        </p:spPr>
+        <p:style>
+          <a:lnRef idx="2">
+            <a:schemeClr val="accent1">
+              <a:shade val="50000"/>
+            </a:schemeClr>
+          </a:lnRef>
+          <a:fillRef idx="1">
+            <a:schemeClr val="accent1"/>
+          </a:fillRef>
+          <a:effectRef idx="0">
+            <a:schemeClr val="accent1"/>
+          </a:effectRef>
+          <a:fontRef idx="minor">
+            <a:schemeClr val="lt1"/>
+          </a:fontRef>
+        </p:style>
+        <p:txBody>
+          <a:bodyPr rtlCol="0" anchor="ctr"/>
+          <a:lstStyle/>
+          <a:p>
+            <a:pPr algn="ctr"/>
+            <a:r>
+              <a:rPr lang="en-GB" dirty="0" smtClean="0"/>
+              <a:t>For </a:t>
+            </a:r>
+            <a:r>
+              <a:rPr lang="en-GB" dirty="0" err="1" smtClean="0"/>
+              <a:t>i</a:t>
+            </a:r>
+            <a:r>
+              <a:rPr lang="en-GB" dirty="0" smtClean="0"/>
+              <a:t> in X, return(</a:t>
+            </a:r>
+            <a:r>
+              <a:rPr lang="en-GB" dirty="0" err="1" smtClean="0"/>
+              <a:t>i</a:t>
+            </a:r>
+            <a:r>
+              <a:rPr lang="en-GB" dirty="0" smtClean="0"/>
+              <a:t>**3)</a:t>
+            </a:r>
+            <a:endParaRPr lang="en-US" dirty="0"/>
+          </a:p>
+        </p:txBody>
+      </p:sp>
+      <p:cxnSp>
+        <p:nvCxnSpPr>
+          <p:cNvPr id="19" name="Straight Arrow Connector 18"/>
+          <p:cNvCxnSpPr>
+            <a:stCxn id="17" idx="5"/>
+          </p:cNvCxnSpPr>
+          <p:nvPr/>
+        </p:nvCxnSpPr>
+        <p:spPr>
+          <a:xfrm flipV="1">
+            <a:off x="2646798" y="4791424"/>
+            <a:ext cx="1395813" cy="13186"/>
+          </a:xfrm>
+          <a:prstGeom prst="straightConnector1">
+            <a:avLst/>
+          </a:prstGeom>
+          <a:ln>
+            <a:tailEnd type="triangle"/>
+          </a:ln>
+        </p:spPr>
+        <p:style>
+          <a:lnRef idx="1">
+            <a:schemeClr val="accent1"/>
+          </a:lnRef>
+          <a:fillRef idx="0">
+            <a:schemeClr val="accent1"/>
+          </a:fillRef>
+          <a:effectRef idx="0">
+            <a:schemeClr val="accent1"/>
+          </a:effectRef>
+          <a:fontRef idx="minor">
+            <a:schemeClr val="tx1"/>
+          </a:fontRef>
+        </p:style>
+      </p:cxnSp>
+      <p:sp>
+        <p:nvSpPr>
+          <p:cNvPr id="21" name="Rectangle 20"/>
+          <p:cNvSpPr/>
+          <p:nvPr/>
+        </p:nvSpPr>
+        <p:spPr>
+          <a:xfrm>
+            <a:off x="176166" y="3146833"/>
+            <a:ext cx="2952041" cy="812983"/>
+          </a:xfrm>
+          <a:prstGeom prst="rect">
+            <a:avLst/>
+          </a:prstGeom>
+        </p:spPr>
+        <p:style>
+          <a:lnRef idx="2">
+            <a:schemeClr val="accent1">
+              <a:shade val="50000"/>
+            </a:schemeClr>
+          </a:lnRef>
+          <a:fillRef idx="1">
+            <a:schemeClr val="accent1"/>
+          </a:fillRef>
+          <a:effectRef idx="0">
+            <a:schemeClr val="accent1"/>
+          </a:effectRef>
+          <a:fontRef idx="minor">
+            <a:schemeClr val="lt1"/>
+          </a:fontRef>
+        </p:style>
+        <p:txBody>
+          <a:bodyPr rtlCol="0" anchor="ctr"/>
+          <a:lstStyle/>
+          <a:p>
+            <a:pPr algn="ctr"/>
+            <a:r>
+              <a:rPr lang="en-GB" dirty="0" smtClean="0"/>
+              <a:t>X == range(A) == [1, A – 1]</a:t>
+            </a:r>
+            <a:endParaRPr lang="en-US" dirty="0"/>
+          </a:p>
+        </p:txBody>
+      </p:sp>
+      <p:sp>
+        <p:nvSpPr>
+          <p:cNvPr id="22" name="Rectangle 21"/>
+          <p:cNvSpPr/>
+          <p:nvPr/>
+        </p:nvSpPr>
+        <p:spPr>
+          <a:xfrm>
+            <a:off x="4042611" y="4459705"/>
+            <a:ext cx="2759242" cy="689810"/>
+          </a:xfrm>
+          <a:prstGeom prst="rect">
+            <a:avLst/>
+          </a:prstGeom>
+        </p:spPr>
+        <p:style>
+          <a:lnRef idx="2">
+            <a:schemeClr val="accent1">
+              <a:shade val="50000"/>
+            </a:schemeClr>
+          </a:lnRef>
+          <a:fillRef idx="1">
+            <a:schemeClr val="accent1"/>
+          </a:fillRef>
+          <a:effectRef idx="0">
+            <a:schemeClr val="accent1"/>
+          </a:effectRef>
+          <a:fontRef idx="minor">
+            <a:schemeClr val="lt1"/>
+          </a:fontRef>
+        </p:style>
+        <p:txBody>
+          <a:bodyPr rtlCol="0" anchor="ctr"/>
+          <a:lstStyle/>
+          <a:p>
+            <a:pPr algn="ctr"/>
+            <a:r>
+              <a:rPr lang="en-GB" dirty="0"/>
+              <a:t>Z</a:t>
+            </a:r>
+            <a:r>
+              <a:rPr lang="en-GB" dirty="0" smtClean="0"/>
+              <a:t> = all values of (</a:t>
+            </a:r>
+            <a:r>
+              <a:rPr lang="en-GB" dirty="0" err="1" smtClean="0"/>
+              <a:t>i</a:t>
+            </a:r>
+            <a:r>
+              <a:rPr lang="en-GB" dirty="0" smtClean="0"/>
+              <a:t>**3) in A</a:t>
+            </a:r>
+            <a:endParaRPr lang="en-US" dirty="0"/>
+          </a:p>
+        </p:txBody>
+      </p:sp>
+      <p:cxnSp>
+        <p:nvCxnSpPr>
+          <p:cNvPr id="24" name="Straight Arrow Connector 23"/>
+          <p:cNvCxnSpPr>
+            <a:stCxn id="22" idx="3"/>
+          </p:cNvCxnSpPr>
+          <p:nvPr/>
+        </p:nvCxnSpPr>
+        <p:spPr>
+          <a:xfrm>
+            <a:off x="6801853" y="4804610"/>
+            <a:ext cx="1684421" cy="0"/>
+          </a:xfrm>
+          <a:prstGeom prst="straightConnector1">
+            <a:avLst/>
+          </a:prstGeom>
+          <a:ln>
+            <a:tailEnd type="triangle"/>
+          </a:ln>
+        </p:spPr>
+        <p:style>
+          <a:lnRef idx="1">
+            <a:schemeClr val="accent1"/>
+          </a:lnRef>
+          <a:fillRef idx="0">
+            <a:schemeClr val="accent1"/>
+          </a:fillRef>
+          <a:effectRef idx="0">
+            <a:schemeClr val="accent1"/>
+          </a:effectRef>
+          <a:fontRef idx="minor">
+            <a:schemeClr val="tx1"/>
+          </a:fontRef>
+        </p:style>
+      </p:cxnSp>
+      <p:sp>
+        <p:nvSpPr>
+          <p:cNvPr id="26" name="Flowchart: Data 25"/>
+          <p:cNvSpPr/>
+          <p:nvPr/>
+        </p:nvSpPr>
+        <p:spPr>
+          <a:xfrm>
+            <a:off x="8213558" y="4446519"/>
+            <a:ext cx="2374232" cy="689810"/>
+          </a:xfrm>
+          <a:prstGeom prst="flowChartInputOutput">
+            <a:avLst/>
+          </a:prstGeom>
+        </p:spPr>
+        <p:style>
+          <a:lnRef idx="2">
+            <a:schemeClr val="accent1">
+              <a:shade val="50000"/>
+            </a:schemeClr>
+          </a:lnRef>
+          <a:fillRef idx="1">
+            <a:schemeClr val="accent1"/>
+          </a:fillRef>
+          <a:effectRef idx="0">
+            <a:schemeClr val="accent1"/>
+          </a:effectRef>
+          <a:fontRef idx="minor">
+            <a:schemeClr val="lt1"/>
+          </a:fontRef>
+        </p:style>
+        <p:txBody>
+          <a:bodyPr rtlCol="0" anchor="ctr"/>
+          <a:lstStyle/>
+          <a:p>
+            <a:pPr algn="ctr"/>
+            <a:r>
+              <a:rPr lang="en-GB" dirty="0" smtClean="0"/>
+              <a:t>Print (Z)</a:t>
+            </a:r>
+            <a:endParaRPr lang="en-US" dirty="0"/>
+          </a:p>
+        </p:txBody>
+      </p:sp>
+      <p:cxnSp>
+        <p:nvCxnSpPr>
+          <p:cNvPr id="28" name="Straight Arrow Connector 27"/>
+          <p:cNvCxnSpPr>
+            <a:stCxn id="26" idx="4"/>
+          </p:cNvCxnSpPr>
+          <p:nvPr/>
+        </p:nvCxnSpPr>
+        <p:spPr>
+          <a:xfrm>
+            <a:off x="9400674" y="5136329"/>
+            <a:ext cx="0" cy="590703"/>
+          </a:xfrm>
+          <a:prstGeom prst="straightConnector1">
+            <a:avLst/>
+          </a:prstGeom>
+          <a:ln>
+            <a:tailEnd type="triangle"/>
+          </a:ln>
+        </p:spPr>
+        <p:style>
+          <a:lnRef idx="1">
+            <a:schemeClr val="accent1"/>
+          </a:lnRef>
+          <a:fillRef idx="0">
+            <a:schemeClr val="accent1"/>
+          </a:fillRef>
+          <a:effectRef idx="0">
+            <a:schemeClr val="accent1"/>
+          </a:effectRef>
+          <a:fontRef idx="minor">
+            <a:schemeClr val="tx1"/>
+          </a:fontRef>
+        </p:style>
+      </p:cxnSp>
+      <p:sp>
+        <p:nvSpPr>
+          <p:cNvPr id="29" name="Flowchart: Terminator 28"/>
+          <p:cNvSpPr/>
+          <p:nvPr/>
+        </p:nvSpPr>
+        <p:spPr>
+          <a:xfrm>
+            <a:off x="8213558" y="5727032"/>
+            <a:ext cx="2374232" cy="625642"/>
+          </a:xfrm>
+          <a:prstGeom prst="flowChartTerminator">
+            <a:avLst/>
+          </a:prstGeom>
+        </p:spPr>
+        <p:style>
+          <a:lnRef idx="2">
+            <a:schemeClr val="accent1">
+              <a:shade val="50000"/>
+            </a:schemeClr>
+          </a:lnRef>
+          <a:fillRef idx="1">
+            <a:schemeClr val="accent1"/>
+          </a:fillRef>
+          <a:effectRef idx="0">
+            <a:schemeClr val="accent1"/>
+          </a:effectRef>
+          <a:fontRef idx="minor">
+            <a:schemeClr val="lt1"/>
+          </a:fontRef>
+        </p:style>
+        <p:txBody>
+          <a:bodyPr rtlCol="0" anchor="ctr"/>
+          <a:lstStyle/>
+          <a:p>
+            <a:pPr algn="ctr"/>
+            <a:r>
+              <a:rPr lang="en-GB" dirty="0" smtClean="0"/>
+              <a:t>End</a:t>
             </a:r>
             <a:endParaRPr lang="en-US" dirty="0"/>
           </a:p>

--- a/Flowchart Assignment.pptx
+++ b/Flowchart Assignment.pptx
@@ -4938,7 +4938,7 @@
         <p:spPr>
           <a:xfrm>
             <a:off x="6860042" y="4536780"/>
-            <a:ext cx="2406315" cy="1090863"/>
+            <a:ext cx="2533340" cy="1090863"/>
           </a:xfrm>
           <a:prstGeom prst="flowChartDecision">
             <a:avLst/>
@@ -4967,7 +4967,15 @@
             <a:pPr algn="ctr"/>
             <a:r>
               <a:rPr lang="en-GB" dirty="0" smtClean="0"/>
-              <a:t>A – B = 5 ?</a:t>
+              <a:t>A – B </a:t>
+            </a:r>
+            <a:r>
+              <a:rPr lang="en-GB" dirty="0" smtClean="0"/>
+              <a:t>== </a:t>
+            </a:r>
+            <a:r>
+              <a:rPr lang="en-GB" dirty="0" smtClean="0"/>
+              <a:t>5 ?</a:t>
             </a:r>
             <a:endParaRPr lang="en-US" dirty="0"/>
           </a:p>
@@ -5056,86 +5064,6 @@
           </a:p>
         </p:txBody>
       </p:sp>
-      <p:sp>
-        <p:nvSpPr>
-          <p:cNvPr id="30" name="Flowchart: Terminator 29"/>
-          <p:cNvSpPr/>
-          <p:nvPr/>
-        </p:nvSpPr>
-        <p:spPr>
-          <a:xfrm>
-            <a:off x="256674" y="2566737"/>
-            <a:ext cx="1556084" cy="696264"/>
-          </a:xfrm>
-          <a:prstGeom prst="flowChartTerminator">
-            <a:avLst/>
-          </a:prstGeom>
-        </p:spPr>
-        <p:style>
-          <a:lnRef idx="2">
-            <a:schemeClr val="accent1">
-              <a:shade val="50000"/>
-            </a:schemeClr>
-          </a:lnRef>
-          <a:fillRef idx="1">
-            <a:schemeClr val="accent1"/>
-          </a:fillRef>
-          <a:effectRef idx="0">
-            <a:schemeClr val="accent1"/>
-          </a:effectRef>
-          <a:fontRef idx="minor">
-            <a:schemeClr val="lt1"/>
-          </a:fontRef>
-        </p:style>
-        <p:txBody>
-          <a:bodyPr rtlCol="0" anchor="ctr"/>
-          <a:lstStyle/>
-          <a:p>
-            <a:pPr algn="ctr"/>
-            <a:r>
-              <a:rPr lang="en-GB" dirty="0" smtClean="0"/>
-              <a:t>End</a:t>
-            </a:r>
-            <a:endParaRPr lang="en-US" dirty="0"/>
-          </a:p>
-        </p:txBody>
-      </p:sp>
-      <p:cxnSp>
-        <p:nvCxnSpPr>
-          <p:cNvPr id="34" name="Straight Arrow Connector 33"/>
-          <p:cNvCxnSpPr>
-            <a:stCxn id="29" idx="2"/>
-            <a:endCxn id="30" idx="3"/>
-          </p:cNvCxnSpPr>
-          <p:nvPr/>
-        </p:nvCxnSpPr>
-        <p:spPr>
-          <a:xfrm flipH="1">
-            <a:off x="1812758" y="2894032"/>
-            <a:ext cx="1295867" cy="20837"/>
-          </a:xfrm>
-          <a:prstGeom prst="straightConnector1">
-            <a:avLst/>
-          </a:prstGeom>
-          <a:ln>
-            <a:tailEnd type="triangle"/>
-          </a:ln>
-        </p:spPr>
-        <p:style>
-          <a:lnRef idx="1">
-            <a:schemeClr val="accent1"/>
-          </a:lnRef>
-          <a:fillRef idx="0">
-            <a:schemeClr val="accent1"/>
-          </a:fillRef>
-          <a:effectRef idx="0">
-            <a:schemeClr val="accent1"/>
-          </a:effectRef>
-          <a:fontRef idx="minor">
-            <a:schemeClr val="tx1"/>
-          </a:fontRef>
-        </p:style>
-      </p:cxnSp>
       <p:cxnSp>
         <p:nvCxnSpPr>
           <p:cNvPr id="36" name="Elbow Connector 35"/>
@@ -5244,13 +5172,14 @@
           <p:cNvPr id="63" name="Straight Arrow Connector 62"/>
           <p:cNvCxnSpPr>
             <a:stCxn id="20" idx="2"/>
+            <a:endCxn id="64" idx="1"/>
           </p:cNvCxnSpPr>
           <p:nvPr/>
         </p:nvCxnSpPr>
         <p:spPr>
           <a:xfrm flipH="1">
-            <a:off x="8063198" y="5627643"/>
-            <a:ext cx="2" cy="436273"/>
+            <a:off x="8114899" y="5627643"/>
+            <a:ext cx="11813" cy="419490"/>
           </a:xfrm>
           <a:prstGeom prst="straightConnector1">
             <a:avLst/>
@@ -5282,7 +5211,7 @@
         </p:nvSpPr>
         <p:spPr>
           <a:xfrm>
-            <a:off x="6813956" y="6047133"/>
+            <a:off x="6911741" y="6047133"/>
             <a:ext cx="2406315" cy="748447"/>
           </a:xfrm>
           <a:prstGeom prst="flowChartInputOutput">
@@ -5318,50 +5247,165 @@
           </a:p>
         </p:txBody>
       </p:sp>
-      <p:cxnSp>
-        <p:nvCxnSpPr>
-          <p:cNvPr id="66" name="Straight Arrow Connector 65"/>
-          <p:cNvCxnSpPr>
-            <a:stCxn id="64" idx="5"/>
-          </p:cNvCxnSpPr>
-          <p:nvPr/>
-        </p:nvCxnSpPr>
-        <p:spPr>
-          <a:xfrm flipV="1">
-            <a:off x="8979640" y="6416842"/>
-            <a:ext cx="838128" cy="4515"/>
-          </a:xfrm>
-          <a:prstGeom prst="straightConnector1">
-            <a:avLst/>
-          </a:prstGeom>
-          <a:ln>
-            <a:tailEnd type="triangle"/>
-          </a:ln>
-        </p:spPr>
-        <p:style>
-          <a:lnRef idx="1">
-            <a:schemeClr val="accent1"/>
-          </a:lnRef>
-          <a:fillRef idx="0">
-            <a:schemeClr val="accent1"/>
-          </a:fillRef>
-          <a:effectRef idx="0">
-            <a:schemeClr val="accent1"/>
-          </a:effectRef>
-          <a:fontRef idx="minor">
-            <a:schemeClr val="tx1"/>
-          </a:fontRef>
-        </p:style>
-      </p:cxnSp>
-      <p:sp>
-        <p:nvSpPr>
-          <p:cNvPr id="67" name="Flowchart: Terminator 66"/>
+      <p:sp>
+        <p:nvSpPr>
+          <p:cNvPr id="68" name="TextBox 67"/>
+          <p:cNvSpPr txBox="1"/>
+          <p:nvPr/>
+        </p:nvSpPr>
+        <p:spPr>
+          <a:xfrm>
+            <a:off x="6486818" y="785045"/>
+            <a:ext cx="590278" cy="382966"/>
+          </a:xfrm>
+          <a:prstGeom prst="rect">
+            <a:avLst/>
+          </a:prstGeom>
+          <a:noFill/>
+        </p:spPr>
+        <p:txBody>
+          <a:bodyPr wrap="square" rtlCol="0">
+            <a:spAutoFit/>
+          </a:bodyPr>
+          <a:lstStyle/>
+          <a:p>
+            <a:r>
+              <a:rPr lang="en-GB" dirty="0" smtClean="0"/>
+              <a:t>Yes</a:t>
+            </a:r>
+            <a:endParaRPr lang="en-US" dirty="0"/>
+          </a:p>
+        </p:txBody>
+      </p:sp>
+      <p:sp>
+        <p:nvSpPr>
+          <p:cNvPr id="69" name="TextBox 68"/>
+          <p:cNvSpPr txBox="1"/>
+          <p:nvPr/>
+        </p:nvSpPr>
+        <p:spPr>
+          <a:xfrm>
+            <a:off x="6352967" y="2577795"/>
+            <a:ext cx="590278" cy="382966"/>
+          </a:xfrm>
+          <a:prstGeom prst="rect">
+            <a:avLst/>
+          </a:prstGeom>
+          <a:noFill/>
+        </p:spPr>
+        <p:txBody>
+          <a:bodyPr wrap="square" rtlCol="0">
+            <a:spAutoFit/>
+          </a:bodyPr>
+          <a:lstStyle/>
+          <a:p>
+            <a:r>
+              <a:rPr lang="en-GB" dirty="0" smtClean="0"/>
+              <a:t>Yes</a:t>
+            </a:r>
+            <a:endParaRPr lang="en-US" dirty="0"/>
+          </a:p>
+        </p:txBody>
+      </p:sp>
+      <p:sp>
+        <p:nvSpPr>
+          <p:cNvPr id="70" name="TextBox 69"/>
+          <p:cNvSpPr txBox="1"/>
+          <p:nvPr/>
+        </p:nvSpPr>
+        <p:spPr>
+          <a:xfrm>
+            <a:off x="6362006" y="4780478"/>
+            <a:ext cx="590278" cy="382966"/>
+          </a:xfrm>
+          <a:prstGeom prst="rect">
+            <a:avLst/>
+          </a:prstGeom>
+          <a:noFill/>
+        </p:spPr>
+        <p:txBody>
+          <a:bodyPr wrap="square" rtlCol="0">
+            <a:spAutoFit/>
+          </a:bodyPr>
+          <a:lstStyle/>
+          <a:p>
+            <a:r>
+              <a:rPr lang="en-GB" dirty="0" smtClean="0"/>
+              <a:t>Yes</a:t>
+            </a:r>
+            <a:endParaRPr lang="en-US" dirty="0"/>
+          </a:p>
+        </p:txBody>
+      </p:sp>
+      <p:sp>
+        <p:nvSpPr>
+          <p:cNvPr id="71" name="TextBox 70"/>
+          <p:cNvSpPr txBox="1"/>
+          <p:nvPr/>
+        </p:nvSpPr>
+        <p:spPr>
+          <a:xfrm rot="5400000">
+            <a:off x="8046303" y="5652722"/>
+            <a:ext cx="506522" cy="369332"/>
+          </a:xfrm>
+          <a:prstGeom prst="rect">
+            <a:avLst/>
+          </a:prstGeom>
+          <a:noFill/>
+        </p:spPr>
+        <p:txBody>
+          <a:bodyPr wrap="square" rtlCol="0">
+            <a:spAutoFit/>
+          </a:bodyPr>
+          <a:lstStyle/>
+          <a:p>
+            <a:r>
+              <a:rPr lang="en-GB" dirty="0" smtClean="0"/>
+              <a:t>No</a:t>
+            </a:r>
+            <a:endParaRPr lang="en-US" dirty="0"/>
+          </a:p>
+        </p:txBody>
+      </p:sp>
+      <p:sp>
+        <p:nvSpPr>
+          <p:cNvPr id="72" name="TextBox 71"/>
+          <p:cNvSpPr txBox="1"/>
+          <p:nvPr/>
+        </p:nvSpPr>
+        <p:spPr>
+          <a:xfrm>
+            <a:off x="9915553" y="575667"/>
+            <a:ext cx="2984269" cy="307777"/>
+          </a:xfrm>
+          <a:prstGeom prst="rect">
+            <a:avLst/>
+          </a:prstGeom>
+          <a:noFill/>
+        </p:spPr>
+        <p:txBody>
+          <a:bodyPr wrap="square" rtlCol="0">
+            <a:spAutoFit/>
+          </a:bodyPr>
+          <a:lstStyle/>
+          <a:p>
+            <a:r>
+              <a:rPr lang="en-GB" sz="1400" dirty="0" smtClean="0"/>
+              <a:t>EXERCISE 3</a:t>
+            </a:r>
+            <a:endParaRPr lang="en-US" sz="1400" dirty="0"/>
+          </a:p>
+        </p:txBody>
+      </p:sp>
+      <p:sp>
+        <p:nvSpPr>
+          <p:cNvPr id="32" name="Flowchart: Terminator 31"/>
           <p:cNvSpPr/>
           <p:nvPr/>
         </p:nvSpPr>
         <p:spPr>
           <a:xfrm>
-            <a:off x="9817768" y="6047133"/>
+            <a:off x="2183259" y="5088941"/>
             <a:ext cx="1652337" cy="748447"/>
           </a:xfrm>
           <a:prstGeom prst="flowChartTerminator">
@@ -5397,156 +5441,78 @@
           </a:p>
         </p:txBody>
       </p:sp>
-      <p:sp>
-        <p:nvSpPr>
-          <p:cNvPr id="68" name="TextBox 67"/>
-          <p:cNvSpPr txBox="1"/>
-          <p:nvPr/>
-        </p:nvSpPr>
-        <p:spPr>
-          <a:xfrm>
-            <a:off x="6486818" y="785045"/>
-            <a:ext cx="590278" cy="382966"/>
-          </a:xfrm>
-          <a:prstGeom prst="rect">
-            <a:avLst/>
-          </a:prstGeom>
-          <a:noFill/>
-        </p:spPr>
-        <p:txBody>
-          <a:bodyPr wrap="square" rtlCol="0">
-            <a:spAutoFit/>
-          </a:bodyPr>
-          <a:lstStyle/>
-          <a:p>
-            <a:r>
-              <a:rPr lang="en-GB" dirty="0" smtClean="0"/>
-              <a:t>Yes</a:t>
-            </a:r>
-            <a:endParaRPr lang="en-US" dirty="0"/>
-          </a:p>
-        </p:txBody>
-      </p:sp>
-      <p:sp>
-        <p:nvSpPr>
-          <p:cNvPr id="69" name="TextBox 68"/>
-          <p:cNvSpPr txBox="1"/>
-          <p:nvPr/>
-        </p:nvSpPr>
-        <p:spPr>
-          <a:xfrm>
-            <a:off x="6352967" y="2577795"/>
-            <a:ext cx="590278" cy="382966"/>
-          </a:xfrm>
-          <a:prstGeom prst="rect">
-            <a:avLst/>
-          </a:prstGeom>
-          <a:noFill/>
-        </p:spPr>
-        <p:txBody>
-          <a:bodyPr wrap="square" rtlCol="0">
-            <a:spAutoFit/>
-          </a:bodyPr>
-          <a:lstStyle/>
-          <a:p>
-            <a:r>
-              <a:rPr lang="en-GB" dirty="0" smtClean="0"/>
-              <a:t>Yes</a:t>
-            </a:r>
-            <a:endParaRPr lang="en-US" dirty="0"/>
-          </a:p>
-        </p:txBody>
-      </p:sp>
-      <p:sp>
-        <p:nvSpPr>
-          <p:cNvPr id="70" name="TextBox 69"/>
-          <p:cNvSpPr txBox="1"/>
-          <p:nvPr/>
-        </p:nvSpPr>
-        <p:spPr>
-          <a:xfrm>
-            <a:off x="6362006" y="4780478"/>
-            <a:ext cx="590278" cy="382966"/>
-          </a:xfrm>
-          <a:prstGeom prst="rect">
-            <a:avLst/>
-          </a:prstGeom>
-          <a:noFill/>
-        </p:spPr>
-        <p:txBody>
-          <a:bodyPr wrap="square" rtlCol="0">
-            <a:spAutoFit/>
-          </a:bodyPr>
-          <a:lstStyle/>
-          <a:p>
-            <a:r>
-              <a:rPr lang="en-GB" dirty="0" smtClean="0"/>
-              <a:t>Yes</a:t>
-            </a:r>
-            <a:endParaRPr lang="en-US" dirty="0"/>
-          </a:p>
-        </p:txBody>
-      </p:sp>
-      <p:sp>
-        <p:nvSpPr>
-          <p:cNvPr id="71" name="TextBox 70"/>
-          <p:cNvSpPr txBox="1"/>
-          <p:nvPr/>
-        </p:nvSpPr>
-        <p:spPr>
-          <a:xfrm>
-            <a:off x="9220271" y="6139961"/>
-            <a:ext cx="506522" cy="369332"/>
-          </a:xfrm>
-          <a:prstGeom prst="rect">
-            <a:avLst/>
-          </a:prstGeom>
-          <a:noFill/>
-        </p:spPr>
-        <p:txBody>
-          <a:bodyPr wrap="square" rtlCol="0">
-            <a:spAutoFit/>
-          </a:bodyPr>
-          <a:lstStyle/>
-          <a:p>
-            <a:r>
-              <a:rPr lang="en-GB" dirty="0" smtClean="0"/>
-              <a:t>No</a:t>
-            </a:r>
-            <a:endParaRPr lang="en-US" dirty="0"/>
-          </a:p>
-        </p:txBody>
-      </p:sp>
-      <p:sp>
-        <p:nvSpPr>
-          <p:cNvPr id="72" name="TextBox 71"/>
-          <p:cNvSpPr txBox="1"/>
-          <p:nvPr/>
-        </p:nvSpPr>
-        <p:spPr>
-          <a:xfrm>
-            <a:off x="9915553" y="575667"/>
-            <a:ext cx="2984269" cy="307777"/>
-          </a:xfrm>
-          <a:prstGeom prst="rect">
-            <a:avLst/>
-          </a:prstGeom>
-          <a:noFill/>
-        </p:spPr>
-        <p:txBody>
-          <a:bodyPr wrap="square" rtlCol="0">
-            <a:spAutoFit/>
-          </a:bodyPr>
-          <a:lstStyle/>
-          <a:p>
-            <a:r>
-              <a:rPr lang="en-GB" sz="1400" dirty="0" smtClean="0"/>
-              <a:t>EXERCISE 3</a:t>
-            </a:r>
-            <a:endParaRPr lang="en-US" sz="1400" dirty="0"/>
-          </a:p>
-        </p:txBody>
-      </p:sp>
+      <p:cxnSp>
+        <p:nvCxnSpPr>
+          <p:cNvPr id="12" name="Elbow Connector 11"/>
+          <p:cNvCxnSpPr>
+            <a:stCxn id="64" idx="2"/>
+            <a:endCxn id="32" idx="3"/>
+          </p:cNvCxnSpPr>
+          <p:nvPr/>
+        </p:nvCxnSpPr>
+        <p:spPr>
+          <a:xfrm rot="10800000">
+            <a:off x="3835597" y="5463165"/>
+            <a:ext cx="3316777" cy="958192"/>
+          </a:xfrm>
+          <a:prstGeom prst="bentConnector3">
+            <a:avLst/>
+          </a:prstGeom>
+          <a:ln>
+            <a:tailEnd type="triangle"/>
+          </a:ln>
+        </p:spPr>
+        <p:style>
+          <a:lnRef idx="1">
+            <a:schemeClr val="accent1"/>
+          </a:lnRef>
+          <a:fillRef idx="0">
+            <a:schemeClr val="accent1"/>
+          </a:fillRef>
+          <a:effectRef idx="0">
+            <a:schemeClr val="accent1"/>
+          </a:effectRef>
+          <a:fontRef idx="minor">
+            <a:schemeClr val="tx1"/>
+          </a:fontRef>
+        </p:style>
+      </p:cxnSp>
+      <p:cxnSp>
+        <p:nvCxnSpPr>
+          <p:cNvPr id="16" name="Elbow Connector 15"/>
+          <p:cNvCxnSpPr>
+            <a:stCxn id="29" idx="3"/>
+            <a:endCxn id="32" idx="0"/>
+          </p:cNvCxnSpPr>
+          <p:nvPr/>
+        </p:nvCxnSpPr>
+        <p:spPr>
+          <a:xfrm rot="5400000">
+            <a:off x="2531384" y="3699371"/>
+            <a:ext cx="1867614" cy="911526"/>
+          </a:xfrm>
+          <a:prstGeom prst="bentConnector3">
+            <a:avLst/>
+          </a:prstGeom>
+          <a:ln>
+            <a:tailEnd type="triangle"/>
+          </a:ln>
+        </p:spPr>
+        <p:style>
+          <a:lnRef idx="1">
+            <a:schemeClr val="accent1"/>
+          </a:lnRef>
+          <a:fillRef idx="0">
+            <a:schemeClr val="accent1"/>
+          </a:fillRef>
+          <a:effectRef idx="0">
+            <a:schemeClr val="accent1"/>
+          </a:effectRef>
+          <a:fontRef idx="minor">
+            <a:schemeClr val="tx1"/>
+          </a:fontRef>
+        </p:style>
+      </p:cxnSp>
     </p:spTree>
     <p:extLst>
       <p:ext uri="{BB962C8B-B14F-4D97-AF65-F5344CB8AC3E}">
